--- a/ppt 16-9/1259.赞美耶稣.pptx
+++ b/ppt 16-9/1259.赞美耶稣.pptx
@@ -5,7 +5,7 @@
     <p:sldMasterId id="2147483648" r:id="rId1"/>
   </p:sldMasterIdLst>
   <p:sldIdLst>
-    <p:sldId id="808" r:id="rId2"/>
+    <p:sldId id="809" r:id="rId2"/>
   </p:sldIdLst>
   <p:sldSz cx="12192000" cy="6858000"/>
   <p:notesSz cx="6858000" cy="9144000"/>
@@ -129,7 +129,7 @@
           <p:cNvPr id="2" name="标题 1">
             <a:extLst>
               <a:ext uri="{FF2B5EF4-FFF2-40B4-BE49-F238E27FC236}">
-                <a16:creationId xmlns:a16="http://schemas.microsoft.com/office/drawing/2014/main" id="{C0B60AD6-E218-BE2B-71C2-C66B8E0C0FDD}"/>
+                <a16:creationId xmlns:a16="http://schemas.microsoft.com/office/drawing/2014/main" id="{6660C085-AB57-3D72-728D-891B31226397}"/>
               </a:ext>
             </a:extLst>
           </p:cNvPr>
@@ -166,7 +166,7 @@
           <p:cNvPr id="3" name="副标题 2">
             <a:extLst>
               <a:ext uri="{FF2B5EF4-FFF2-40B4-BE49-F238E27FC236}">
-                <a16:creationId xmlns:a16="http://schemas.microsoft.com/office/drawing/2014/main" id="{21E3C099-156F-A9B8-4E28-B819D1EF9D43}"/>
+                <a16:creationId xmlns:a16="http://schemas.microsoft.com/office/drawing/2014/main" id="{83D8BEEA-01D2-9F4C-370E-A4351824D184}"/>
               </a:ext>
             </a:extLst>
           </p:cNvPr>
@@ -236,7 +236,7 @@
           <p:cNvPr id="4" name="日期占位符 3">
             <a:extLst>
               <a:ext uri="{FF2B5EF4-FFF2-40B4-BE49-F238E27FC236}">
-                <a16:creationId xmlns:a16="http://schemas.microsoft.com/office/drawing/2014/main" id="{C32850F3-EE61-9AF6-B70F-0ECCE5E529A7}"/>
+                <a16:creationId xmlns:a16="http://schemas.microsoft.com/office/drawing/2014/main" id="{05ECBB49-08FB-F7F8-C408-264B7EE3820E}"/>
               </a:ext>
             </a:extLst>
           </p:cNvPr>
@@ -252,7 +252,7 @@
           <a:bodyPr/>
           <a:lstStyle/>
           <a:p>
-            <a:fld id="{39F0EB5A-530C-4713-87F6-10C7B1D30DA0}" type="datetimeFigureOut">
+            <a:fld id="{E8EA9F91-A358-4C51-8746-8CA549F978FD}" type="datetimeFigureOut">
               <a:rPr lang="zh-CN" altLang="en-US" smtClean="0"/>
               <a:t>2024/3/10</a:t>
             </a:fld>
@@ -265,7 +265,7 @@
           <p:cNvPr id="5" name="页脚占位符 4">
             <a:extLst>
               <a:ext uri="{FF2B5EF4-FFF2-40B4-BE49-F238E27FC236}">
-                <a16:creationId xmlns:a16="http://schemas.microsoft.com/office/drawing/2014/main" id="{50F11C2A-E358-99D8-DAC6-821AB0138349}"/>
+                <a16:creationId xmlns:a16="http://schemas.microsoft.com/office/drawing/2014/main" id="{2ADBD453-EDB2-A43D-0A8A-808F142ABF0F}"/>
               </a:ext>
             </a:extLst>
           </p:cNvPr>
@@ -290,7 +290,7 @@
           <p:cNvPr id="6" name="灯片编号占位符 5">
             <a:extLst>
               <a:ext uri="{FF2B5EF4-FFF2-40B4-BE49-F238E27FC236}">
-                <a16:creationId xmlns:a16="http://schemas.microsoft.com/office/drawing/2014/main" id="{715406EE-B085-0F03-8C11-008A59AE0CF8}"/>
+                <a16:creationId xmlns:a16="http://schemas.microsoft.com/office/drawing/2014/main" id="{F2197DFF-B361-271B-782D-C1C6A86868B3}"/>
               </a:ext>
             </a:extLst>
           </p:cNvPr>
@@ -306,7 +306,7 @@
           <a:bodyPr/>
           <a:lstStyle/>
           <a:p>
-            <a:fld id="{04B8BC00-DBBF-4777-B311-0A34ACF704F2}" type="slidenum">
+            <a:fld id="{D8CE08A4-A0E8-4B5E-A3F9-B141BE3A91DE}" type="slidenum">
               <a:rPr lang="zh-CN" altLang="en-US" smtClean="0"/>
               <a:t>‹#›</a:t>
             </a:fld>
@@ -317,7 +317,7 @@
     </p:spTree>
     <p:extLst>
       <p:ext uri="{BB962C8B-B14F-4D97-AF65-F5344CB8AC3E}">
-        <p14:creationId xmlns:p14="http://schemas.microsoft.com/office/powerpoint/2010/main" val="1306677653"/>
+        <p14:creationId xmlns:p14="http://schemas.microsoft.com/office/powerpoint/2010/main" val="3786127934"/>
       </p:ext>
     </p:extLst>
   </p:cSld>
@@ -349,7 +349,7 @@
           <p:cNvPr id="2" name="标题 1">
             <a:extLst>
               <a:ext uri="{FF2B5EF4-FFF2-40B4-BE49-F238E27FC236}">
-                <a16:creationId xmlns:a16="http://schemas.microsoft.com/office/drawing/2014/main" id="{A775B738-F0B7-4F75-541E-4359B2C754FA}"/>
+                <a16:creationId xmlns:a16="http://schemas.microsoft.com/office/drawing/2014/main" id="{5980CF38-8551-190B-806E-4024A2D2065B}"/>
               </a:ext>
             </a:extLst>
           </p:cNvPr>
@@ -377,7 +377,7 @@
           <p:cNvPr id="3" name="竖排文字占位符 2">
             <a:extLst>
               <a:ext uri="{FF2B5EF4-FFF2-40B4-BE49-F238E27FC236}">
-                <a16:creationId xmlns:a16="http://schemas.microsoft.com/office/drawing/2014/main" id="{545D7622-8F58-53D3-6164-C4B58331C3BD}"/>
+                <a16:creationId xmlns:a16="http://schemas.microsoft.com/office/drawing/2014/main" id="{2163DB22-7584-AD3A-51C5-503E93CE49F8}"/>
               </a:ext>
             </a:extLst>
           </p:cNvPr>
@@ -434,7 +434,7 @@
           <p:cNvPr id="4" name="日期占位符 3">
             <a:extLst>
               <a:ext uri="{FF2B5EF4-FFF2-40B4-BE49-F238E27FC236}">
-                <a16:creationId xmlns:a16="http://schemas.microsoft.com/office/drawing/2014/main" id="{DFDD574A-20FF-C060-6FD9-9781B07BD715}"/>
+                <a16:creationId xmlns:a16="http://schemas.microsoft.com/office/drawing/2014/main" id="{583ECBC7-A8D1-066B-6486-2D49E716908D}"/>
               </a:ext>
             </a:extLst>
           </p:cNvPr>
@@ -450,7 +450,7 @@
           <a:bodyPr/>
           <a:lstStyle/>
           <a:p>
-            <a:fld id="{39F0EB5A-530C-4713-87F6-10C7B1D30DA0}" type="datetimeFigureOut">
+            <a:fld id="{E8EA9F91-A358-4C51-8746-8CA549F978FD}" type="datetimeFigureOut">
               <a:rPr lang="zh-CN" altLang="en-US" smtClean="0"/>
               <a:t>2024/3/10</a:t>
             </a:fld>
@@ -463,7 +463,7 @@
           <p:cNvPr id="5" name="页脚占位符 4">
             <a:extLst>
               <a:ext uri="{FF2B5EF4-FFF2-40B4-BE49-F238E27FC236}">
-                <a16:creationId xmlns:a16="http://schemas.microsoft.com/office/drawing/2014/main" id="{1A01C967-7858-EE05-5B39-742F897979A7}"/>
+                <a16:creationId xmlns:a16="http://schemas.microsoft.com/office/drawing/2014/main" id="{783B440C-AF35-0634-628F-514AADA1C2D8}"/>
               </a:ext>
             </a:extLst>
           </p:cNvPr>
@@ -488,7 +488,7 @@
           <p:cNvPr id="6" name="灯片编号占位符 5">
             <a:extLst>
               <a:ext uri="{FF2B5EF4-FFF2-40B4-BE49-F238E27FC236}">
-                <a16:creationId xmlns:a16="http://schemas.microsoft.com/office/drawing/2014/main" id="{A3ECE7EA-7A1D-9144-2DB0-8DEDA86F4ABA}"/>
+                <a16:creationId xmlns:a16="http://schemas.microsoft.com/office/drawing/2014/main" id="{F2D45E68-DB29-4CFF-C2A2-6BA619EFC372}"/>
               </a:ext>
             </a:extLst>
           </p:cNvPr>
@@ -504,7 +504,7 @@
           <a:bodyPr/>
           <a:lstStyle/>
           <a:p>
-            <a:fld id="{04B8BC00-DBBF-4777-B311-0A34ACF704F2}" type="slidenum">
+            <a:fld id="{D8CE08A4-A0E8-4B5E-A3F9-B141BE3A91DE}" type="slidenum">
               <a:rPr lang="zh-CN" altLang="en-US" smtClean="0"/>
               <a:t>‹#›</a:t>
             </a:fld>
@@ -515,7 +515,7 @@
     </p:spTree>
     <p:extLst>
       <p:ext uri="{BB962C8B-B14F-4D97-AF65-F5344CB8AC3E}">
-        <p14:creationId xmlns:p14="http://schemas.microsoft.com/office/powerpoint/2010/main" val="2283754846"/>
+        <p14:creationId xmlns:p14="http://schemas.microsoft.com/office/powerpoint/2010/main" val="3221879382"/>
       </p:ext>
     </p:extLst>
   </p:cSld>
@@ -547,7 +547,7 @@
           <p:cNvPr id="2" name="竖排标题 1">
             <a:extLst>
               <a:ext uri="{FF2B5EF4-FFF2-40B4-BE49-F238E27FC236}">
-                <a16:creationId xmlns:a16="http://schemas.microsoft.com/office/drawing/2014/main" id="{F0130D2D-D707-9C79-1103-7A48DFC5A3B8}"/>
+                <a16:creationId xmlns:a16="http://schemas.microsoft.com/office/drawing/2014/main" id="{50D35644-8C43-4FCD-6B23-99308FEFC040}"/>
               </a:ext>
             </a:extLst>
           </p:cNvPr>
@@ -580,7 +580,7 @@
           <p:cNvPr id="3" name="竖排文字占位符 2">
             <a:extLst>
               <a:ext uri="{FF2B5EF4-FFF2-40B4-BE49-F238E27FC236}">
-                <a16:creationId xmlns:a16="http://schemas.microsoft.com/office/drawing/2014/main" id="{CF8A7E2F-89CA-07A8-0FC9-AB618943FE67}"/>
+                <a16:creationId xmlns:a16="http://schemas.microsoft.com/office/drawing/2014/main" id="{0E77929F-E4A8-35EA-64E5-6DA577BA0871}"/>
               </a:ext>
             </a:extLst>
           </p:cNvPr>
@@ -642,7 +642,7 @@
           <p:cNvPr id="4" name="日期占位符 3">
             <a:extLst>
               <a:ext uri="{FF2B5EF4-FFF2-40B4-BE49-F238E27FC236}">
-                <a16:creationId xmlns:a16="http://schemas.microsoft.com/office/drawing/2014/main" id="{5D935E6A-EFB4-C00C-58B0-25620259A223}"/>
+                <a16:creationId xmlns:a16="http://schemas.microsoft.com/office/drawing/2014/main" id="{996C1F4C-5ED8-A617-297F-78DCA47C0BF4}"/>
               </a:ext>
             </a:extLst>
           </p:cNvPr>
@@ -658,7 +658,7 @@
           <a:bodyPr/>
           <a:lstStyle/>
           <a:p>
-            <a:fld id="{39F0EB5A-530C-4713-87F6-10C7B1D30DA0}" type="datetimeFigureOut">
+            <a:fld id="{E8EA9F91-A358-4C51-8746-8CA549F978FD}" type="datetimeFigureOut">
               <a:rPr lang="zh-CN" altLang="en-US" smtClean="0"/>
               <a:t>2024/3/10</a:t>
             </a:fld>
@@ -671,7 +671,7 @@
           <p:cNvPr id="5" name="页脚占位符 4">
             <a:extLst>
               <a:ext uri="{FF2B5EF4-FFF2-40B4-BE49-F238E27FC236}">
-                <a16:creationId xmlns:a16="http://schemas.microsoft.com/office/drawing/2014/main" id="{B56FBF12-2277-E191-B7D4-A7987946F0E4}"/>
+                <a16:creationId xmlns:a16="http://schemas.microsoft.com/office/drawing/2014/main" id="{5B7031C0-B8E6-7DE3-8680-1C529E7BDFB6}"/>
               </a:ext>
             </a:extLst>
           </p:cNvPr>
@@ -696,7 +696,7 @@
           <p:cNvPr id="6" name="灯片编号占位符 5">
             <a:extLst>
               <a:ext uri="{FF2B5EF4-FFF2-40B4-BE49-F238E27FC236}">
-                <a16:creationId xmlns:a16="http://schemas.microsoft.com/office/drawing/2014/main" id="{E803240B-E243-56DE-AF1F-A3ED68319B5F}"/>
+                <a16:creationId xmlns:a16="http://schemas.microsoft.com/office/drawing/2014/main" id="{382614D5-3F2F-31E4-BB7B-84C408CF86C0}"/>
               </a:ext>
             </a:extLst>
           </p:cNvPr>
@@ -712,7 +712,7 @@
           <a:bodyPr/>
           <a:lstStyle/>
           <a:p>
-            <a:fld id="{04B8BC00-DBBF-4777-B311-0A34ACF704F2}" type="slidenum">
+            <a:fld id="{D8CE08A4-A0E8-4B5E-A3F9-B141BE3A91DE}" type="slidenum">
               <a:rPr lang="zh-CN" altLang="en-US" smtClean="0"/>
               <a:t>‹#›</a:t>
             </a:fld>
@@ -723,7 +723,7 @@
     </p:spTree>
     <p:extLst>
       <p:ext uri="{BB962C8B-B14F-4D97-AF65-F5344CB8AC3E}">
-        <p14:creationId xmlns:p14="http://schemas.microsoft.com/office/powerpoint/2010/main" val="1880465970"/>
+        <p14:creationId xmlns:p14="http://schemas.microsoft.com/office/powerpoint/2010/main" val="3591758807"/>
       </p:ext>
     </p:extLst>
   </p:cSld>
@@ -755,7 +755,7 @@
           <p:cNvPr id="2" name="标题 1">
             <a:extLst>
               <a:ext uri="{FF2B5EF4-FFF2-40B4-BE49-F238E27FC236}">
-                <a16:creationId xmlns:a16="http://schemas.microsoft.com/office/drawing/2014/main" id="{BAF216A7-821C-B13E-CDB6-CB4C7606CD00}"/>
+                <a16:creationId xmlns:a16="http://schemas.microsoft.com/office/drawing/2014/main" id="{F3E1F231-1F80-9092-A938-26074DECB91B}"/>
               </a:ext>
             </a:extLst>
           </p:cNvPr>
@@ -783,7 +783,7 @@
           <p:cNvPr id="3" name="内容占位符 2">
             <a:extLst>
               <a:ext uri="{FF2B5EF4-FFF2-40B4-BE49-F238E27FC236}">
-                <a16:creationId xmlns:a16="http://schemas.microsoft.com/office/drawing/2014/main" id="{5BCB4C62-8E7A-25F6-062D-57E594E833BB}"/>
+                <a16:creationId xmlns:a16="http://schemas.microsoft.com/office/drawing/2014/main" id="{DA089BC7-C759-1F12-B8FD-AD3F40C789EB}"/>
               </a:ext>
             </a:extLst>
           </p:cNvPr>
@@ -840,7 +840,7 @@
           <p:cNvPr id="4" name="日期占位符 3">
             <a:extLst>
               <a:ext uri="{FF2B5EF4-FFF2-40B4-BE49-F238E27FC236}">
-                <a16:creationId xmlns:a16="http://schemas.microsoft.com/office/drawing/2014/main" id="{BFE380F0-6DB9-E2D8-2C90-AFFEB2C17C90}"/>
+                <a16:creationId xmlns:a16="http://schemas.microsoft.com/office/drawing/2014/main" id="{3B6DD472-AEBE-A081-6FA9-CBA7CC899AC4}"/>
               </a:ext>
             </a:extLst>
           </p:cNvPr>
@@ -856,7 +856,7 @@
           <a:bodyPr/>
           <a:lstStyle/>
           <a:p>
-            <a:fld id="{39F0EB5A-530C-4713-87F6-10C7B1D30DA0}" type="datetimeFigureOut">
+            <a:fld id="{E8EA9F91-A358-4C51-8746-8CA549F978FD}" type="datetimeFigureOut">
               <a:rPr lang="zh-CN" altLang="en-US" smtClean="0"/>
               <a:t>2024/3/10</a:t>
             </a:fld>
@@ -869,7 +869,7 @@
           <p:cNvPr id="5" name="页脚占位符 4">
             <a:extLst>
               <a:ext uri="{FF2B5EF4-FFF2-40B4-BE49-F238E27FC236}">
-                <a16:creationId xmlns:a16="http://schemas.microsoft.com/office/drawing/2014/main" id="{F883132C-7CAC-BFF6-BC86-25C20524F3E9}"/>
+                <a16:creationId xmlns:a16="http://schemas.microsoft.com/office/drawing/2014/main" id="{E54C69A4-C49F-7D4C-1684-D15ED8022130}"/>
               </a:ext>
             </a:extLst>
           </p:cNvPr>
@@ -894,7 +894,7 @@
           <p:cNvPr id="6" name="灯片编号占位符 5">
             <a:extLst>
               <a:ext uri="{FF2B5EF4-FFF2-40B4-BE49-F238E27FC236}">
-                <a16:creationId xmlns:a16="http://schemas.microsoft.com/office/drawing/2014/main" id="{228D4615-BA35-45A4-E33C-F57C35BEF5FA}"/>
+                <a16:creationId xmlns:a16="http://schemas.microsoft.com/office/drawing/2014/main" id="{D86B8840-65EF-0640-3CE3-E8E098C15195}"/>
               </a:ext>
             </a:extLst>
           </p:cNvPr>
@@ -910,7 +910,7 @@
           <a:bodyPr/>
           <a:lstStyle/>
           <a:p>
-            <a:fld id="{04B8BC00-DBBF-4777-B311-0A34ACF704F2}" type="slidenum">
+            <a:fld id="{D8CE08A4-A0E8-4B5E-A3F9-B141BE3A91DE}" type="slidenum">
               <a:rPr lang="zh-CN" altLang="en-US" smtClean="0"/>
               <a:t>‹#›</a:t>
             </a:fld>
@@ -921,7 +921,7 @@
     </p:spTree>
     <p:extLst>
       <p:ext uri="{BB962C8B-B14F-4D97-AF65-F5344CB8AC3E}">
-        <p14:creationId xmlns:p14="http://schemas.microsoft.com/office/powerpoint/2010/main" val="1192837772"/>
+        <p14:creationId xmlns:p14="http://schemas.microsoft.com/office/powerpoint/2010/main" val="2217850064"/>
       </p:ext>
     </p:extLst>
   </p:cSld>
@@ -953,7 +953,7 @@
           <p:cNvPr id="2" name="标题 1">
             <a:extLst>
               <a:ext uri="{FF2B5EF4-FFF2-40B4-BE49-F238E27FC236}">
-                <a16:creationId xmlns:a16="http://schemas.microsoft.com/office/drawing/2014/main" id="{9D875634-B1B2-54A5-11C7-D96E74F525C5}"/>
+                <a16:creationId xmlns:a16="http://schemas.microsoft.com/office/drawing/2014/main" id="{39EEA335-B0F0-E048-68A2-6C1FFB0C6242}"/>
               </a:ext>
             </a:extLst>
           </p:cNvPr>
@@ -990,7 +990,7 @@
           <p:cNvPr id="3" name="文本占位符 2">
             <a:extLst>
               <a:ext uri="{FF2B5EF4-FFF2-40B4-BE49-F238E27FC236}">
-                <a16:creationId xmlns:a16="http://schemas.microsoft.com/office/drawing/2014/main" id="{5771908C-9BF9-DB2E-6E80-DFA08BD498D1}"/>
+                <a16:creationId xmlns:a16="http://schemas.microsoft.com/office/drawing/2014/main" id="{2E8E4FC7-6C02-09D2-9F92-6B302EB13A19}"/>
               </a:ext>
             </a:extLst>
           </p:cNvPr>
@@ -1115,7 +1115,7 @@
           <p:cNvPr id="4" name="日期占位符 3">
             <a:extLst>
               <a:ext uri="{FF2B5EF4-FFF2-40B4-BE49-F238E27FC236}">
-                <a16:creationId xmlns:a16="http://schemas.microsoft.com/office/drawing/2014/main" id="{FB28E32E-20CB-CD42-7E5B-F1123965B55D}"/>
+                <a16:creationId xmlns:a16="http://schemas.microsoft.com/office/drawing/2014/main" id="{BA9AF727-DD55-13A7-0948-6CCA318C5844}"/>
               </a:ext>
             </a:extLst>
           </p:cNvPr>
@@ -1131,7 +1131,7 @@
           <a:bodyPr/>
           <a:lstStyle/>
           <a:p>
-            <a:fld id="{39F0EB5A-530C-4713-87F6-10C7B1D30DA0}" type="datetimeFigureOut">
+            <a:fld id="{E8EA9F91-A358-4C51-8746-8CA549F978FD}" type="datetimeFigureOut">
               <a:rPr lang="zh-CN" altLang="en-US" smtClean="0"/>
               <a:t>2024/3/10</a:t>
             </a:fld>
@@ -1144,7 +1144,7 @@
           <p:cNvPr id="5" name="页脚占位符 4">
             <a:extLst>
               <a:ext uri="{FF2B5EF4-FFF2-40B4-BE49-F238E27FC236}">
-                <a16:creationId xmlns:a16="http://schemas.microsoft.com/office/drawing/2014/main" id="{7D022F00-7CE7-C2E0-C0A8-94CE11559DC7}"/>
+                <a16:creationId xmlns:a16="http://schemas.microsoft.com/office/drawing/2014/main" id="{416A6EF2-8065-4975-7070-8DBAD8B603C0}"/>
               </a:ext>
             </a:extLst>
           </p:cNvPr>
@@ -1169,7 +1169,7 @@
           <p:cNvPr id="6" name="灯片编号占位符 5">
             <a:extLst>
               <a:ext uri="{FF2B5EF4-FFF2-40B4-BE49-F238E27FC236}">
-                <a16:creationId xmlns:a16="http://schemas.microsoft.com/office/drawing/2014/main" id="{168A0E83-71A9-FD63-A330-BEDA49B9EF21}"/>
+                <a16:creationId xmlns:a16="http://schemas.microsoft.com/office/drawing/2014/main" id="{D549B4B4-3FA0-0571-9A65-A0B4DA84888C}"/>
               </a:ext>
             </a:extLst>
           </p:cNvPr>
@@ -1185,7 +1185,7 @@
           <a:bodyPr/>
           <a:lstStyle/>
           <a:p>
-            <a:fld id="{04B8BC00-DBBF-4777-B311-0A34ACF704F2}" type="slidenum">
+            <a:fld id="{D8CE08A4-A0E8-4B5E-A3F9-B141BE3A91DE}" type="slidenum">
               <a:rPr lang="zh-CN" altLang="en-US" smtClean="0"/>
               <a:t>‹#›</a:t>
             </a:fld>
@@ -1196,7 +1196,7 @@
     </p:spTree>
     <p:extLst>
       <p:ext uri="{BB962C8B-B14F-4D97-AF65-F5344CB8AC3E}">
-        <p14:creationId xmlns:p14="http://schemas.microsoft.com/office/powerpoint/2010/main" val="2614262764"/>
+        <p14:creationId xmlns:p14="http://schemas.microsoft.com/office/powerpoint/2010/main" val="2030496575"/>
       </p:ext>
     </p:extLst>
   </p:cSld>
@@ -1228,7 +1228,7 @@
           <p:cNvPr id="2" name="标题 1">
             <a:extLst>
               <a:ext uri="{FF2B5EF4-FFF2-40B4-BE49-F238E27FC236}">
-                <a16:creationId xmlns:a16="http://schemas.microsoft.com/office/drawing/2014/main" id="{63897BBA-A2A2-4AB7-38FB-94B9006298A3}"/>
+                <a16:creationId xmlns:a16="http://schemas.microsoft.com/office/drawing/2014/main" id="{A53E19F9-525E-93C3-EE02-8F4FD288A136}"/>
               </a:ext>
             </a:extLst>
           </p:cNvPr>
@@ -1256,7 +1256,7 @@
           <p:cNvPr id="3" name="内容占位符 2">
             <a:extLst>
               <a:ext uri="{FF2B5EF4-FFF2-40B4-BE49-F238E27FC236}">
-                <a16:creationId xmlns:a16="http://schemas.microsoft.com/office/drawing/2014/main" id="{D6CCB312-34EE-BA7C-6900-92D26779F599}"/>
+                <a16:creationId xmlns:a16="http://schemas.microsoft.com/office/drawing/2014/main" id="{42F148CA-3E72-038B-B909-086E43B81A84}"/>
               </a:ext>
             </a:extLst>
           </p:cNvPr>
@@ -1318,7 +1318,7 @@
           <p:cNvPr id="4" name="内容占位符 3">
             <a:extLst>
               <a:ext uri="{FF2B5EF4-FFF2-40B4-BE49-F238E27FC236}">
-                <a16:creationId xmlns:a16="http://schemas.microsoft.com/office/drawing/2014/main" id="{E7244720-F7A3-E139-9162-41292A99C92D}"/>
+                <a16:creationId xmlns:a16="http://schemas.microsoft.com/office/drawing/2014/main" id="{FE7A1F9B-ECE6-4815-6570-1AD0BF62ACEC}"/>
               </a:ext>
             </a:extLst>
           </p:cNvPr>
@@ -1380,7 +1380,7 @@
           <p:cNvPr id="5" name="日期占位符 4">
             <a:extLst>
               <a:ext uri="{FF2B5EF4-FFF2-40B4-BE49-F238E27FC236}">
-                <a16:creationId xmlns:a16="http://schemas.microsoft.com/office/drawing/2014/main" id="{782333BD-3EB4-E82D-17B8-122CA7331DDF}"/>
+                <a16:creationId xmlns:a16="http://schemas.microsoft.com/office/drawing/2014/main" id="{04534A5C-10BE-8C00-0419-1F7CBCFA7856}"/>
               </a:ext>
             </a:extLst>
           </p:cNvPr>
@@ -1396,7 +1396,7 @@
           <a:bodyPr/>
           <a:lstStyle/>
           <a:p>
-            <a:fld id="{39F0EB5A-530C-4713-87F6-10C7B1D30DA0}" type="datetimeFigureOut">
+            <a:fld id="{E8EA9F91-A358-4C51-8746-8CA549F978FD}" type="datetimeFigureOut">
               <a:rPr lang="zh-CN" altLang="en-US" smtClean="0"/>
               <a:t>2024/3/10</a:t>
             </a:fld>
@@ -1409,7 +1409,7 @@
           <p:cNvPr id="6" name="页脚占位符 5">
             <a:extLst>
               <a:ext uri="{FF2B5EF4-FFF2-40B4-BE49-F238E27FC236}">
-                <a16:creationId xmlns:a16="http://schemas.microsoft.com/office/drawing/2014/main" id="{993D20CB-00BA-8367-5A8F-090693B0B5E3}"/>
+                <a16:creationId xmlns:a16="http://schemas.microsoft.com/office/drawing/2014/main" id="{5BD6F992-4792-0D29-B10B-8D03AF0CFD60}"/>
               </a:ext>
             </a:extLst>
           </p:cNvPr>
@@ -1434,7 +1434,7 @@
           <p:cNvPr id="7" name="灯片编号占位符 6">
             <a:extLst>
               <a:ext uri="{FF2B5EF4-FFF2-40B4-BE49-F238E27FC236}">
-                <a16:creationId xmlns:a16="http://schemas.microsoft.com/office/drawing/2014/main" id="{8FE361A2-1D9A-E923-5DE1-B5774923B76D}"/>
+                <a16:creationId xmlns:a16="http://schemas.microsoft.com/office/drawing/2014/main" id="{F61CC297-D79A-54C0-81EE-108E59B4CE96}"/>
               </a:ext>
             </a:extLst>
           </p:cNvPr>
@@ -1450,7 +1450,7 @@
           <a:bodyPr/>
           <a:lstStyle/>
           <a:p>
-            <a:fld id="{04B8BC00-DBBF-4777-B311-0A34ACF704F2}" type="slidenum">
+            <a:fld id="{D8CE08A4-A0E8-4B5E-A3F9-B141BE3A91DE}" type="slidenum">
               <a:rPr lang="zh-CN" altLang="en-US" smtClean="0"/>
               <a:t>‹#›</a:t>
             </a:fld>
@@ -1461,7 +1461,7 @@
     </p:spTree>
     <p:extLst>
       <p:ext uri="{BB962C8B-B14F-4D97-AF65-F5344CB8AC3E}">
-        <p14:creationId xmlns:p14="http://schemas.microsoft.com/office/powerpoint/2010/main" val="1704329977"/>
+        <p14:creationId xmlns:p14="http://schemas.microsoft.com/office/powerpoint/2010/main" val="1116145019"/>
       </p:ext>
     </p:extLst>
   </p:cSld>
@@ -1493,7 +1493,7 @@
           <p:cNvPr id="2" name="标题 1">
             <a:extLst>
               <a:ext uri="{FF2B5EF4-FFF2-40B4-BE49-F238E27FC236}">
-                <a16:creationId xmlns:a16="http://schemas.microsoft.com/office/drawing/2014/main" id="{4BCEF7AB-131F-57C8-BB99-34E7C9C1EAAE}"/>
+                <a16:creationId xmlns:a16="http://schemas.microsoft.com/office/drawing/2014/main" id="{46224F51-6A82-4ACE-7ECF-61564EE178BC}"/>
               </a:ext>
             </a:extLst>
           </p:cNvPr>
@@ -1526,7 +1526,7 @@
           <p:cNvPr id="3" name="文本占位符 2">
             <a:extLst>
               <a:ext uri="{FF2B5EF4-FFF2-40B4-BE49-F238E27FC236}">
-                <a16:creationId xmlns:a16="http://schemas.microsoft.com/office/drawing/2014/main" id="{70A063E7-317C-C4C8-BB08-4D30C1F41199}"/>
+                <a16:creationId xmlns:a16="http://schemas.microsoft.com/office/drawing/2014/main" id="{A63ECC00-6C49-F0A7-50CF-AFFE2080DB41}"/>
               </a:ext>
             </a:extLst>
           </p:cNvPr>
@@ -1597,7 +1597,7 @@
           <p:cNvPr id="4" name="内容占位符 3">
             <a:extLst>
               <a:ext uri="{FF2B5EF4-FFF2-40B4-BE49-F238E27FC236}">
-                <a16:creationId xmlns:a16="http://schemas.microsoft.com/office/drawing/2014/main" id="{785DF729-3CB3-75D8-E402-C86C0BF65AD1}"/>
+                <a16:creationId xmlns:a16="http://schemas.microsoft.com/office/drawing/2014/main" id="{1B19DB8F-3E8F-7311-5E4E-84690CFA6956}"/>
               </a:ext>
             </a:extLst>
           </p:cNvPr>
@@ -1659,7 +1659,7 @@
           <p:cNvPr id="5" name="文本占位符 4">
             <a:extLst>
               <a:ext uri="{FF2B5EF4-FFF2-40B4-BE49-F238E27FC236}">
-                <a16:creationId xmlns:a16="http://schemas.microsoft.com/office/drawing/2014/main" id="{2FC1002C-E9DF-820D-B146-953E021D9B6F}"/>
+                <a16:creationId xmlns:a16="http://schemas.microsoft.com/office/drawing/2014/main" id="{4223F70F-58FA-D87E-2210-6A03BB7B8BF6}"/>
               </a:ext>
             </a:extLst>
           </p:cNvPr>
@@ -1730,7 +1730,7 @@
           <p:cNvPr id="6" name="内容占位符 5">
             <a:extLst>
               <a:ext uri="{FF2B5EF4-FFF2-40B4-BE49-F238E27FC236}">
-                <a16:creationId xmlns:a16="http://schemas.microsoft.com/office/drawing/2014/main" id="{69F3BC0C-8CFD-FA4B-93C4-8A9677A7B668}"/>
+                <a16:creationId xmlns:a16="http://schemas.microsoft.com/office/drawing/2014/main" id="{8B60BB43-E314-71D1-15C4-D6BDD38BD7A2}"/>
               </a:ext>
             </a:extLst>
           </p:cNvPr>
@@ -1792,7 +1792,7 @@
           <p:cNvPr id="7" name="日期占位符 6">
             <a:extLst>
               <a:ext uri="{FF2B5EF4-FFF2-40B4-BE49-F238E27FC236}">
-                <a16:creationId xmlns:a16="http://schemas.microsoft.com/office/drawing/2014/main" id="{15F7A3CA-821A-0451-2827-F48DBB1E7E9D}"/>
+                <a16:creationId xmlns:a16="http://schemas.microsoft.com/office/drawing/2014/main" id="{4B579924-4075-A8DC-ECF4-A5EEDC41622F}"/>
               </a:ext>
             </a:extLst>
           </p:cNvPr>
@@ -1808,7 +1808,7 @@
           <a:bodyPr/>
           <a:lstStyle/>
           <a:p>
-            <a:fld id="{39F0EB5A-530C-4713-87F6-10C7B1D30DA0}" type="datetimeFigureOut">
+            <a:fld id="{E8EA9F91-A358-4C51-8746-8CA549F978FD}" type="datetimeFigureOut">
               <a:rPr lang="zh-CN" altLang="en-US" smtClean="0"/>
               <a:t>2024/3/10</a:t>
             </a:fld>
@@ -1821,7 +1821,7 @@
           <p:cNvPr id="8" name="页脚占位符 7">
             <a:extLst>
               <a:ext uri="{FF2B5EF4-FFF2-40B4-BE49-F238E27FC236}">
-                <a16:creationId xmlns:a16="http://schemas.microsoft.com/office/drawing/2014/main" id="{EEE5764A-34B1-3875-00C7-6953F535638F}"/>
+                <a16:creationId xmlns:a16="http://schemas.microsoft.com/office/drawing/2014/main" id="{12B174B6-C673-984A-D3EE-4E9F2D3FCB74}"/>
               </a:ext>
             </a:extLst>
           </p:cNvPr>
@@ -1846,7 +1846,7 @@
           <p:cNvPr id="9" name="灯片编号占位符 8">
             <a:extLst>
               <a:ext uri="{FF2B5EF4-FFF2-40B4-BE49-F238E27FC236}">
-                <a16:creationId xmlns:a16="http://schemas.microsoft.com/office/drawing/2014/main" id="{26A03ADB-2F86-93DC-30E7-15908203B35C}"/>
+                <a16:creationId xmlns:a16="http://schemas.microsoft.com/office/drawing/2014/main" id="{B40B88F3-6253-B3FE-0D2D-F1DEE340BDD6}"/>
               </a:ext>
             </a:extLst>
           </p:cNvPr>
@@ -1862,7 +1862,7 @@
           <a:bodyPr/>
           <a:lstStyle/>
           <a:p>
-            <a:fld id="{04B8BC00-DBBF-4777-B311-0A34ACF704F2}" type="slidenum">
+            <a:fld id="{D8CE08A4-A0E8-4B5E-A3F9-B141BE3A91DE}" type="slidenum">
               <a:rPr lang="zh-CN" altLang="en-US" smtClean="0"/>
               <a:t>‹#›</a:t>
             </a:fld>
@@ -1873,7 +1873,7 @@
     </p:spTree>
     <p:extLst>
       <p:ext uri="{BB962C8B-B14F-4D97-AF65-F5344CB8AC3E}">
-        <p14:creationId xmlns:p14="http://schemas.microsoft.com/office/powerpoint/2010/main" val="3866854655"/>
+        <p14:creationId xmlns:p14="http://schemas.microsoft.com/office/powerpoint/2010/main" val="145884458"/>
       </p:ext>
     </p:extLst>
   </p:cSld>
@@ -1905,7 +1905,7 @@
           <p:cNvPr id="2" name="标题 1">
             <a:extLst>
               <a:ext uri="{FF2B5EF4-FFF2-40B4-BE49-F238E27FC236}">
-                <a16:creationId xmlns:a16="http://schemas.microsoft.com/office/drawing/2014/main" id="{2FC1C4EB-F480-EEDE-C4B0-EDF36299B813}"/>
+                <a16:creationId xmlns:a16="http://schemas.microsoft.com/office/drawing/2014/main" id="{107282E8-6656-7921-4410-F8087DAFCC74}"/>
               </a:ext>
             </a:extLst>
           </p:cNvPr>
@@ -1933,7 +1933,7 @@
           <p:cNvPr id="3" name="日期占位符 2">
             <a:extLst>
               <a:ext uri="{FF2B5EF4-FFF2-40B4-BE49-F238E27FC236}">
-                <a16:creationId xmlns:a16="http://schemas.microsoft.com/office/drawing/2014/main" id="{AF6EF3AB-B742-6E84-88ED-983809D65A9A}"/>
+                <a16:creationId xmlns:a16="http://schemas.microsoft.com/office/drawing/2014/main" id="{C4CBBCD2-22C3-9D71-9629-033ED247CE6B}"/>
               </a:ext>
             </a:extLst>
           </p:cNvPr>
@@ -1949,7 +1949,7 @@
           <a:bodyPr/>
           <a:lstStyle/>
           <a:p>
-            <a:fld id="{39F0EB5A-530C-4713-87F6-10C7B1D30DA0}" type="datetimeFigureOut">
+            <a:fld id="{E8EA9F91-A358-4C51-8746-8CA549F978FD}" type="datetimeFigureOut">
               <a:rPr lang="zh-CN" altLang="en-US" smtClean="0"/>
               <a:t>2024/3/10</a:t>
             </a:fld>
@@ -1962,7 +1962,7 @@
           <p:cNvPr id="4" name="页脚占位符 3">
             <a:extLst>
               <a:ext uri="{FF2B5EF4-FFF2-40B4-BE49-F238E27FC236}">
-                <a16:creationId xmlns:a16="http://schemas.microsoft.com/office/drawing/2014/main" id="{65160FD8-42E9-CD86-E98E-4FD9F548D401}"/>
+                <a16:creationId xmlns:a16="http://schemas.microsoft.com/office/drawing/2014/main" id="{4A7D8C45-E362-D653-1D4F-2B1C084D8380}"/>
               </a:ext>
             </a:extLst>
           </p:cNvPr>
@@ -1987,7 +1987,7 @@
           <p:cNvPr id="5" name="灯片编号占位符 4">
             <a:extLst>
               <a:ext uri="{FF2B5EF4-FFF2-40B4-BE49-F238E27FC236}">
-                <a16:creationId xmlns:a16="http://schemas.microsoft.com/office/drawing/2014/main" id="{F8A64232-0E60-643D-F76E-BCBDF53E5438}"/>
+                <a16:creationId xmlns:a16="http://schemas.microsoft.com/office/drawing/2014/main" id="{ED1F519F-E7A9-37EF-A752-13FF46ACA174}"/>
               </a:ext>
             </a:extLst>
           </p:cNvPr>
@@ -2003,7 +2003,7 @@
           <a:bodyPr/>
           <a:lstStyle/>
           <a:p>
-            <a:fld id="{04B8BC00-DBBF-4777-B311-0A34ACF704F2}" type="slidenum">
+            <a:fld id="{D8CE08A4-A0E8-4B5E-A3F9-B141BE3A91DE}" type="slidenum">
               <a:rPr lang="zh-CN" altLang="en-US" smtClean="0"/>
               <a:t>‹#›</a:t>
             </a:fld>
@@ -2014,7 +2014,7 @@
     </p:spTree>
     <p:extLst>
       <p:ext uri="{BB962C8B-B14F-4D97-AF65-F5344CB8AC3E}">
-        <p14:creationId xmlns:p14="http://schemas.microsoft.com/office/powerpoint/2010/main" val="2024148407"/>
+        <p14:creationId xmlns:p14="http://schemas.microsoft.com/office/powerpoint/2010/main" val="1925550136"/>
       </p:ext>
     </p:extLst>
   </p:cSld>
@@ -2046,7 +2046,7 @@
           <p:cNvPr id="2" name="日期占位符 1">
             <a:extLst>
               <a:ext uri="{FF2B5EF4-FFF2-40B4-BE49-F238E27FC236}">
-                <a16:creationId xmlns:a16="http://schemas.microsoft.com/office/drawing/2014/main" id="{592FDB02-4A2F-A980-7142-60950504C440}"/>
+                <a16:creationId xmlns:a16="http://schemas.microsoft.com/office/drawing/2014/main" id="{4C7D5B67-630B-5104-AC97-C44E021A0661}"/>
               </a:ext>
             </a:extLst>
           </p:cNvPr>
@@ -2062,7 +2062,7 @@
           <a:bodyPr/>
           <a:lstStyle/>
           <a:p>
-            <a:fld id="{39F0EB5A-530C-4713-87F6-10C7B1D30DA0}" type="datetimeFigureOut">
+            <a:fld id="{E8EA9F91-A358-4C51-8746-8CA549F978FD}" type="datetimeFigureOut">
               <a:rPr lang="zh-CN" altLang="en-US" smtClean="0"/>
               <a:t>2024/3/10</a:t>
             </a:fld>
@@ -2075,7 +2075,7 @@
           <p:cNvPr id="3" name="页脚占位符 2">
             <a:extLst>
               <a:ext uri="{FF2B5EF4-FFF2-40B4-BE49-F238E27FC236}">
-                <a16:creationId xmlns:a16="http://schemas.microsoft.com/office/drawing/2014/main" id="{82A02284-15B2-A1BA-BF4D-0461FBD000F0}"/>
+                <a16:creationId xmlns:a16="http://schemas.microsoft.com/office/drawing/2014/main" id="{A669D8E9-B1FB-AAF2-CED6-83A33D05D498}"/>
               </a:ext>
             </a:extLst>
           </p:cNvPr>
@@ -2100,7 +2100,7 @@
           <p:cNvPr id="4" name="灯片编号占位符 3">
             <a:extLst>
               <a:ext uri="{FF2B5EF4-FFF2-40B4-BE49-F238E27FC236}">
-                <a16:creationId xmlns:a16="http://schemas.microsoft.com/office/drawing/2014/main" id="{0A29D78B-5BD9-CBFF-E52C-3F03A1D2764C}"/>
+                <a16:creationId xmlns:a16="http://schemas.microsoft.com/office/drawing/2014/main" id="{1EC743D2-3644-8FDC-22EA-716D20F7B32F}"/>
               </a:ext>
             </a:extLst>
           </p:cNvPr>
@@ -2116,7 +2116,7 @@
           <a:bodyPr/>
           <a:lstStyle/>
           <a:p>
-            <a:fld id="{04B8BC00-DBBF-4777-B311-0A34ACF704F2}" type="slidenum">
+            <a:fld id="{D8CE08A4-A0E8-4B5E-A3F9-B141BE3A91DE}" type="slidenum">
               <a:rPr lang="zh-CN" altLang="en-US" smtClean="0"/>
               <a:t>‹#›</a:t>
             </a:fld>
@@ -2127,7 +2127,7 @@
     </p:spTree>
     <p:extLst>
       <p:ext uri="{BB962C8B-B14F-4D97-AF65-F5344CB8AC3E}">
-        <p14:creationId xmlns:p14="http://schemas.microsoft.com/office/powerpoint/2010/main" val="906198980"/>
+        <p14:creationId xmlns:p14="http://schemas.microsoft.com/office/powerpoint/2010/main" val="452516632"/>
       </p:ext>
     </p:extLst>
   </p:cSld>
@@ -2159,7 +2159,7 @@
           <p:cNvPr id="2" name="标题 1">
             <a:extLst>
               <a:ext uri="{FF2B5EF4-FFF2-40B4-BE49-F238E27FC236}">
-                <a16:creationId xmlns:a16="http://schemas.microsoft.com/office/drawing/2014/main" id="{FE881CBE-3916-0331-597E-38666081DBC4}"/>
+                <a16:creationId xmlns:a16="http://schemas.microsoft.com/office/drawing/2014/main" id="{F4474348-38E5-DA15-6CAB-88C4FBAD81C4}"/>
               </a:ext>
             </a:extLst>
           </p:cNvPr>
@@ -2196,7 +2196,7 @@
           <p:cNvPr id="3" name="内容占位符 2">
             <a:extLst>
               <a:ext uri="{FF2B5EF4-FFF2-40B4-BE49-F238E27FC236}">
-                <a16:creationId xmlns:a16="http://schemas.microsoft.com/office/drawing/2014/main" id="{72AB4F02-6DB4-4B16-EDFC-B4EEDD592691}"/>
+                <a16:creationId xmlns:a16="http://schemas.microsoft.com/office/drawing/2014/main" id="{21C62594-5324-EBDB-1E35-B63ACC05F7CB}"/>
               </a:ext>
             </a:extLst>
           </p:cNvPr>
@@ -2286,7 +2286,7 @@
           <p:cNvPr id="4" name="文本占位符 3">
             <a:extLst>
               <a:ext uri="{FF2B5EF4-FFF2-40B4-BE49-F238E27FC236}">
-                <a16:creationId xmlns:a16="http://schemas.microsoft.com/office/drawing/2014/main" id="{9A0F8843-3B3C-ECC8-4357-F941EEDEB33F}"/>
+                <a16:creationId xmlns:a16="http://schemas.microsoft.com/office/drawing/2014/main" id="{EF538653-C207-3765-C361-1CFA5BA78463}"/>
               </a:ext>
             </a:extLst>
           </p:cNvPr>
@@ -2357,7 +2357,7 @@
           <p:cNvPr id="5" name="日期占位符 4">
             <a:extLst>
               <a:ext uri="{FF2B5EF4-FFF2-40B4-BE49-F238E27FC236}">
-                <a16:creationId xmlns:a16="http://schemas.microsoft.com/office/drawing/2014/main" id="{E356E923-CC19-5335-0D51-141059E1C4C8}"/>
+                <a16:creationId xmlns:a16="http://schemas.microsoft.com/office/drawing/2014/main" id="{F96EF8EE-A00B-F085-AC14-867F15EFEF6D}"/>
               </a:ext>
             </a:extLst>
           </p:cNvPr>
@@ -2373,7 +2373,7 @@
           <a:bodyPr/>
           <a:lstStyle/>
           <a:p>
-            <a:fld id="{39F0EB5A-530C-4713-87F6-10C7B1D30DA0}" type="datetimeFigureOut">
+            <a:fld id="{E8EA9F91-A358-4C51-8746-8CA549F978FD}" type="datetimeFigureOut">
               <a:rPr lang="zh-CN" altLang="en-US" smtClean="0"/>
               <a:t>2024/3/10</a:t>
             </a:fld>
@@ -2386,7 +2386,7 @@
           <p:cNvPr id="6" name="页脚占位符 5">
             <a:extLst>
               <a:ext uri="{FF2B5EF4-FFF2-40B4-BE49-F238E27FC236}">
-                <a16:creationId xmlns:a16="http://schemas.microsoft.com/office/drawing/2014/main" id="{B7CF5E71-9B01-129D-14A9-E3B56E995E0D}"/>
+                <a16:creationId xmlns:a16="http://schemas.microsoft.com/office/drawing/2014/main" id="{688F46D8-7DC0-AA39-2912-E6869CA2C5F2}"/>
               </a:ext>
             </a:extLst>
           </p:cNvPr>
@@ -2411,7 +2411,7 @@
           <p:cNvPr id="7" name="灯片编号占位符 6">
             <a:extLst>
               <a:ext uri="{FF2B5EF4-FFF2-40B4-BE49-F238E27FC236}">
-                <a16:creationId xmlns:a16="http://schemas.microsoft.com/office/drawing/2014/main" id="{19621453-489E-9EB9-ECD7-D5459F213CD0}"/>
+                <a16:creationId xmlns:a16="http://schemas.microsoft.com/office/drawing/2014/main" id="{96A4EA2D-921F-985D-2B6F-64B85FFEAF0F}"/>
               </a:ext>
             </a:extLst>
           </p:cNvPr>
@@ -2427,7 +2427,7 @@
           <a:bodyPr/>
           <a:lstStyle/>
           <a:p>
-            <a:fld id="{04B8BC00-DBBF-4777-B311-0A34ACF704F2}" type="slidenum">
+            <a:fld id="{D8CE08A4-A0E8-4B5E-A3F9-B141BE3A91DE}" type="slidenum">
               <a:rPr lang="zh-CN" altLang="en-US" smtClean="0"/>
               <a:t>‹#›</a:t>
             </a:fld>
@@ -2438,7 +2438,7 @@
     </p:spTree>
     <p:extLst>
       <p:ext uri="{BB962C8B-B14F-4D97-AF65-F5344CB8AC3E}">
-        <p14:creationId xmlns:p14="http://schemas.microsoft.com/office/powerpoint/2010/main" val="833790850"/>
+        <p14:creationId xmlns:p14="http://schemas.microsoft.com/office/powerpoint/2010/main" val="1688075271"/>
       </p:ext>
     </p:extLst>
   </p:cSld>
@@ -2470,7 +2470,7 @@
           <p:cNvPr id="2" name="标题 1">
             <a:extLst>
               <a:ext uri="{FF2B5EF4-FFF2-40B4-BE49-F238E27FC236}">
-                <a16:creationId xmlns:a16="http://schemas.microsoft.com/office/drawing/2014/main" id="{E5A499EC-CC32-41BE-9FD2-C8AD4EA0AA05}"/>
+                <a16:creationId xmlns:a16="http://schemas.microsoft.com/office/drawing/2014/main" id="{8CBEB269-E333-261B-70EF-E8B8F40DE27D}"/>
               </a:ext>
             </a:extLst>
           </p:cNvPr>
@@ -2507,7 +2507,7 @@
           <p:cNvPr id="3" name="图片占位符 2">
             <a:extLst>
               <a:ext uri="{FF2B5EF4-FFF2-40B4-BE49-F238E27FC236}">
-                <a16:creationId xmlns:a16="http://schemas.microsoft.com/office/drawing/2014/main" id="{A00A5D0A-3EF9-C8D6-0A00-B1D5C6E48A3C}"/>
+                <a16:creationId xmlns:a16="http://schemas.microsoft.com/office/drawing/2014/main" id="{A76E426D-44BC-3CA7-6814-D5FE00A95CCD}"/>
               </a:ext>
             </a:extLst>
           </p:cNvPr>
@@ -2574,7 +2574,7 @@
           <p:cNvPr id="4" name="文本占位符 3">
             <a:extLst>
               <a:ext uri="{FF2B5EF4-FFF2-40B4-BE49-F238E27FC236}">
-                <a16:creationId xmlns:a16="http://schemas.microsoft.com/office/drawing/2014/main" id="{02FE4B29-5F56-EC0E-EA9A-872D25A02927}"/>
+                <a16:creationId xmlns:a16="http://schemas.microsoft.com/office/drawing/2014/main" id="{0A9A2643-D73D-09EA-F283-38C248F82606}"/>
               </a:ext>
             </a:extLst>
           </p:cNvPr>
@@ -2645,7 +2645,7 @@
           <p:cNvPr id="5" name="日期占位符 4">
             <a:extLst>
               <a:ext uri="{FF2B5EF4-FFF2-40B4-BE49-F238E27FC236}">
-                <a16:creationId xmlns:a16="http://schemas.microsoft.com/office/drawing/2014/main" id="{4C22F1BC-70C4-420F-9A71-581B1ACFA99F}"/>
+                <a16:creationId xmlns:a16="http://schemas.microsoft.com/office/drawing/2014/main" id="{9A79BCE1-D143-048B-4A3A-3C6CAC561040}"/>
               </a:ext>
             </a:extLst>
           </p:cNvPr>
@@ -2661,7 +2661,7 @@
           <a:bodyPr/>
           <a:lstStyle/>
           <a:p>
-            <a:fld id="{39F0EB5A-530C-4713-87F6-10C7B1D30DA0}" type="datetimeFigureOut">
+            <a:fld id="{E8EA9F91-A358-4C51-8746-8CA549F978FD}" type="datetimeFigureOut">
               <a:rPr lang="zh-CN" altLang="en-US" smtClean="0"/>
               <a:t>2024/3/10</a:t>
             </a:fld>
@@ -2674,7 +2674,7 @@
           <p:cNvPr id="6" name="页脚占位符 5">
             <a:extLst>
               <a:ext uri="{FF2B5EF4-FFF2-40B4-BE49-F238E27FC236}">
-                <a16:creationId xmlns:a16="http://schemas.microsoft.com/office/drawing/2014/main" id="{722EB060-B425-8464-C398-F9C22C67F432}"/>
+                <a16:creationId xmlns:a16="http://schemas.microsoft.com/office/drawing/2014/main" id="{05EF34B3-EBFB-7200-B395-E087BC04703D}"/>
               </a:ext>
             </a:extLst>
           </p:cNvPr>
@@ -2699,7 +2699,7 @@
           <p:cNvPr id="7" name="灯片编号占位符 6">
             <a:extLst>
               <a:ext uri="{FF2B5EF4-FFF2-40B4-BE49-F238E27FC236}">
-                <a16:creationId xmlns:a16="http://schemas.microsoft.com/office/drawing/2014/main" id="{E46B71FA-BD1E-4870-88C1-250279C4221D}"/>
+                <a16:creationId xmlns:a16="http://schemas.microsoft.com/office/drawing/2014/main" id="{A8B2E2B7-B904-CFC4-337C-27492D01C1C8}"/>
               </a:ext>
             </a:extLst>
           </p:cNvPr>
@@ -2715,7 +2715,7 @@
           <a:bodyPr/>
           <a:lstStyle/>
           <a:p>
-            <a:fld id="{04B8BC00-DBBF-4777-B311-0A34ACF704F2}" type="slidenum">
+            <a:fld id="{D8CE08A4-A0E8-4B5E-A3F9-B141BE3A91DE}" type="slidenum">
               <a:rPr lang="zh-CN" altLang="en-US" smtClean="0"/>
               <a:t>‹#›</a:t>
             </a:fld>
@@ -2726,7 +2726,7 @@
     </p:spTree>
     <p:extLst>
       <p:ext uri="{BB962C8B-B14F-4D97-AF65-F5344CB8AC3E}">
-        <p14:creationId xmlns:p14="http://schemas.microsoft.com/office/powerpoint/2010/main" val="4152365011"/>
+        <p14:creationId xmlns:p14="http://schemas.microsoft.com/office/powerpoint/2010/main" val="2158407264"/>
       </p:ext>
     </p:extLst>
   </p:cSld>
@@ -2763,7 +2763,7 @@
           <p:cNvPr id="2" name="标题占位符 1">
             <a:extLst>
               <a:ext uri="{FF2B5EF4-FFF2-40B4-BE49-F238E27FC236}">
-                <a16:creationId xmlns:a16="http://schemas.microsoft.com/office/drawing/2014/main" id="{097164E1-2919-6414-967D-3D62ACDAF05E}"/>
+                <a16:creationId xmlns:a16="http://schemas.microsoft.com/office/drawing/2014/main" id="{10678598-5DC7-9B01-6EBF-417CE874E4CC}"/>
               </a:ext>
             </a:extLst>
           </p:cNvPr>
@@ -2801,7 +2801,7 @@
           <p:cNvPr id="3" name="文本占位符 2">
             <a:extLst>
               <a:ext uri="{FF2B5EF4-FFF2-40B4-BE49-F238E27FC236}">
-                <a16:creationId xmlns:a16="http://schemas.microsoft.com/office/drawing/2014/main" id="{83A137EE-50C3-5B01-DD1A-58160B45E8C0}"/>
+                <a16:creationId xmlns:a16="http://schemas.microsoft.com/office/drawing/2014/main" id="{0182294E-9D1F-E1B9-41D3-41018A703493}"/>
               </a:ext>
             </a:extLst>
           </p:cNvPr>
@@ -2868,7 +2868,7 @@
           <p:cNvPr id="4" name="日期占位符 3">
             <a:extLst>
               <a:ext uri="{FF2B5EF4-FFF2-40B4-BE49-F238E27FC236}">
-                <a16:creationId xmlns:a16="http://schemas.microsoft.com/office/drawing/2014/main" id="{35A9FDFD-1A19-96AB-4FA3-0DFBA12F855C}"/>
+                <a16:creationId xmlns:a16="http://schemas.microsoft.com/office/drawing/2014/main" id="{62E7276B-F0AC-7714-9521-CF6E58938943}"/>
               </a:ext>
             </a:extLst>
           </p:cNvPr>
@@ -2902,7 +2902,7 @@
             </a:lvl1pPr>
           </a:lstStyle>
           <a:p>
-            <a:fld id="{39F0EB5A-530C-4713-87F6-10C7B1D30DA0}" type="datetimeFigureOut">
+            <a:fld id="{E8EA9F91-A358-4C51-8746-8CA549F978FD}" type="datetimeFigureOut">
               <a:rPr lang="zh-CN" altLang="en-US" smtClean="0"/>
               <a:t>2024/3/10</a:t>
             </a:fld>
@@ -2915,7 +2915,7 @@
           <p:cNvPr id="5" name="页脚占位符 4">
             <a:extLst>
               <a:ext uri="{FF2B5EF4-FFF2-40B4-BE49-F238E27FC236}">
-                <a16:creationId xmlns:a16="http://schemas.microsoft.com/office/drawing/2014/main" id="{82B155A8-6A56-6323-FBA6-680A75BB9175}"/>
+                <a16:creationId xmlns:a16="http://schemas.microsoft.com/office/drawing/2014/main" id="{307B0F69-83DA-72ED-798F-F90F778B226F}"/>
               </a:ext>
             </a:extLst>
           </p:cNvPr>
@@ -2958,7 +2958,7 @@
           <p:cNvPr id="6" name="灯片编号占位符 5">
             <a:extLst>
               <a:ext uri="{FF2B5EF4-FFF2-40B4-BE49-F238E27FC236}">
-                <a16:creationId xmlns:a16="http://schemas.microsoft.com/office/drawing/2014/main" id="{0814EC85-FCFE-FB07-E4E3-138FADE36F29}"/>
+                <a16:creationId xmlns:a16="http://schemas.microsoft.com/office/drawing/2014/main" id="{A7B1A68B-1F33-5558-3A55-B87A0B14064A}"/>
               </a:ext>
             </a:extLst>
           </p:cNvPr>
@@ -2992,7 +2992,7 @@
             </a:lvl1pPr>
           </a:lstStyle>
           <a:p>
-            <a:fld id="{04B8BC00-DBBF-4777-B311-0A34ACF704F2}" type="slidenum">
+            <a:fld id="{D8CE08A4-A0E8-4B5E-A3F9-B141BE3A91DE}" type="slidenum">
               <a:rPr lang="zh-CN" altLang="en-US" smtClean="0"/>
               <a:t>‹#›</a:t>
             </a:fld>
@@ -3003,7 +3003,7 @@
     </p:spTree>
     <p:extLst>
       <p:ext uri="{BB962C8B-B14F-4D97-AF65-F5344CB8AC3E}">
-        <p14:creationId xmlns:p14="http://schemas.microsoft.com/office/powerpoint/2010/main" val="2833820367"/>
+        <p14:creationId xmlns:p14="http://schemas.microsoft.com/office/powerpoint/2010/main" val="495688157"/>
       </p:ext>
     </p:extLst>
   </p:cSld>
@@ -3323,7 +3323,7 @@
       </p:grpSpPr>
       <p:pic>
         <p:nvPicPr>
-          <p:cNvPr id="1289218" name="Picture 2" descr="1258"/>
+          <p:cNvPr id="1290242" name="Picture 2" descr="1259"/>
           <p:cNvPicPr>
             <a:picLocks noChangeAspect="1" noChangeArrowheads="1"/>
           </p:cNvPicPr>
@@ -3344,8 +3344,8 @@
         </p:blipFill>
         <p:spPr bwMode="auto">
           <a:xfrm>
-            <a:off x="1524000" y="1"/>
-            <a:ext cx="9144000" cy="3789363"/>
+            <a:off x="1524000" y="0"/>
+            <a:ext cx="9144000" cy="4076700"/>
           </a:xfrm>
           <a:prstGeom prst="rect">
             <a:avLst/>
